--- a/LC17/LC17.pptx
+++ b/LC17/LC17.pptx
@@ -256,7 +256,7 @@
           <a:p>
             <a:fld id="{EBC4EE8A-CDA4-44F7-A61F-855868FB9019}" type="datetimeFigureOut">
               <a:rPr lang="en-US" smtClean="0"/>
-              <a:t>4/8/2020</a:t>
+              <a:t>6/23/2020</a:t>
             </a:fld>
             <a:endParaRPr lang="en-US"/>
           </a:p>
@@ -298,7 +298,7 @@
           <a:p>
             <a:fld id="{64CDC4B4-8912-42C0-867A-8AD177C6B236}" type="slidenum">
               <a:rPr lang="en-US" smtClean="0"/>
-              <a:t>‹N°›</a:t>
+              <a:t>‹#›</a:t>
             </a:fld>
             <a:endParaRPr lang="en-US"/>
           </a:p>
@@ -426,7 +426,7 @@
           <a:p>
             <a:fld id="{EBC4EE8A-CDA4-44F7-A61F-855868FB9019}" type="datetimeFigureOut">
               <a:rPr lang="en-US" smtClean="0"/>
-              <a:t>4/8/2020</a:t>
+              <a:t>6/23/2020</a:t>
             </a:fld>
             <a:endParaRPr lang="en-US"/>
           </a:p>
@@ -468,7 +468,7 @@
           <a:p>
             <a:fld id="{64CDC4B4-8912-42C0-867A-8AD177C6B236}" type="slidenum">
               <a:rPr lang="en-US" smtClean="0"/>
-              <a:t>‹N°›</a:t>
+              <a:t>‹#›</a:t>
             </a:fld>
             <a:endParaRPr lang="en-US"/>
           </a:p>
@@ -606,7 +606,7 @@
           <a:p>
             <a:fld id="{EBC4EE8A-CDA4-44F7-A61F-855868FB9019}" type="datetimeFigureOut">
               <a:rPr lang="en-US" smtClean="0"/>
-              <a:t>4/8/2020</a:t>
+              <a:t>6/23/2020</a:t>
             </a:fld>
             <a:endParaRPr lang="en-US"/>
           </a:p>
@@ -648,7 +648,7 @@
           <a:p>
             <a:fld id="{64CDC4B4-8912-42C0-867A-8AD177C6B236}" type="slidenum">
               <a:rPr lang="en-US" smtClean="0"/>
-              <a:t>‹N°›</a:t>
+              <a:t>‹#›</a:t>
             </a:fld>
             <a:endParaRPr lang="en-US"/>
           </a:p>
@@ -776,7 +776,7 @@
           <a:p>
             <a:fld id="{EBC4EE8A-CDA4-44F7-A61F-855868FB9019}" type="datetimeFigureOut">
               <a:rPr lang="en-US" smtClean="0"/>
-              <a:t>4/8/2020</a:t>
+              <a:t>6/23/2020</a:t>
             </a:fld>
             <a:endParaRPr lang="en-US"/>
           </a:p>
@@ -818,7 +818,7 @@
           <a:p>
             <a:fld id="{64CDC4B4-8912-42C0-867A-8AD177C6B236}" type="slidenum">
               <a:rPr lang="en-US" smtClean="0"/>
-              <a:t>‹N°›</a:t>
+              <a:t>‹#›</a:t>
             </a:fld>
             <a:endParaRPr lang="en-US"/>
           </a:p>
@@ -1022,7 +1022,7 @@
           <a:p>
             <a:fld id="{EBC4EE8A-CDA4-44F7-A61F-855868FB9019}" type="datetimeFigureOut">
               <a:rPr lang="en-US" smtClean="0"/>
-              <a:t>4/8/2020</a:t>
+              <a:t>6/23/2020</a:t>
             </a:fld>
             <a:endParaRPr lang="en-US"/>
           </a:p>
@@ -1064,7 +1064,7 @@
           <a:p>
             <a:fld id="{64CDC4B4-8912-42C0-867A-8AD177C6B236}" type="slidenum">
               <a:rPr lang="en-US" smtClean="0"/>
-              <a:t>‹N°›</a:t>
+              <a:t>‹#›</a:t>
             </a:fld>
             <a:endParaRPr lang="en-US"/>
           </a:p>
@@ -1254,7 +1254,7 @@
           <a:p>
             <a:fld id="{EBC4EE8A-CDA4-44F7-A61F-855868FB9019}" type="datetimeFigureOut">
               <a:rPr lang="en-US" smtClean="0"/>
-              <a:t>4/8/2020</a:t>
+              <a:t>6/23/2020</a:t>
             </a:fld>
             <a:endParaRPr lang="en-US"/>
           </a:p>
@@ -1296,7 +1296,7 @@
           <a:p>
             <a:fld id="{64CDC4B4-8912-42C0-867A-8AD177C6B236}" type="slidenum">
               <a:rPr lang="en-US" smtClean="0"/>
-              <a:t>‹N°›</a:t>
+              <a:t>‹#›</a:t>
             </a:fld>
             <a:endParaRPr lang="en-US"/>
           </a:p>
@@ -1621,7 +1621,7 @@
           <a:p>
             <a:fld id="{EBC4EE8A-CDA4-44F7-A61F-855868FB9019}" type="datetimeFigureOut">
               <a:rPr lang="en-US" smtClean="0"/>
-              <a:t>4/8/2020</a:t>
+              <a:t>6/23/2020</a:t>
             </a:fld>
             <a:endParaRPr lang="en-US"/>
           </a:p>
@@ -1663,7 +1663,7 @@
           <a:p>
             <a:fld id="{64CDC4B4-8912-42C0-867A-8AD177C6B236}" type="slidenum">
               <a:rPr lang="en-US" smtClean="0"/>
-              <a:t>‹N°›</a:t>
+              <a:t>‹#›</a:t>
             </a:fld>
             <a:endParaRPr lang="en-US"/>
           </a:p>
@@ -1739,7 +1739,7 @@
           <a:p>
             <a:fld id="{EBC4EE8A-CDA4-44F7-A61F-855868FB9019}" type="datetimeFigureOut">
               <a:rPr lang="en-US" smtClean="0"/>
-              <a:t>4/8/2020</a:t>
+              <a:t>6/23/2020</a:t>
             </a:fld>
             <a:endParaRPr lang="en-US"/>
           </a:p>
@@ -1781,7 +1781,7 @@
           <a:p>
             <a:fld id="{64CDC4B4-8912-42C0-867A-8AD177C6B236}" type="slidenum">
               <a:rPr lang="en-US" smtClean="0"/>
-              <a:t>‹N°›</a:t>
+              <a:t>‹#›</a:t>
             </a:fld>
             <a:endParaRPr lang="en-US"/>
           </a:p>
@@ -1834,7 +1834,7 @@
           <a:p>
             <a:fld id="{EBC4EE8A-CDA4-44F7-A61F-855868FB9019}" type="datetimeFigureOut">
               <a:rPr lang="en-US" smtClean="0"/>
-              <a:t>4/8/2020</a:t>
+              <a:t>6/23/2020</a:t>
             </a:fld>
             <a:endParaRPr lang="en-US"/>
           </a:p>
@@ -1876,7 +1876,7 @@
           <a:p>
             <a:fld id="{64CDC4B4-8912-42C0-867A-8AD177C6B236}" type="slidenum">
               <a:rPr lang="en-US" smtClean="0"/>
-              <a:t>‹N°›</a:t>
+              <a:t>‹#›</a:t>
             </a:fld>
             <a:endParaRPr lang="en-US"/>
           </a:p>
@@ -2111,7 +2111,7 @@
           <a:p>
             <a:fld id="{EBC4EE8A-CDA4-44F7-A61F-855868FB9019}" type="datetimeFigureOut">
               <a:rPr lang="en-US" smtClean="0"/>
-              <a:t>4/8/2020</a:t>
+              <a:t>6/23/2020</a:t>
             </a:fld>
             <a:endParaRPr lang="en-US"/>
           </a:p>
@@ -2153,7 +2153,7 @@
           <a:p>
             <a:fld id="{64CDC4B4-8912-42C0-867A-8AD177C6B236}" type="slidenum">
               <a:rPr lang="en-US" smtClean="0"/>
-              <a:t>‹N°›</a:t>
+              <a:t>‹#›</a:t>
             </a:fld>
             <a:endParaRPr lang="en-US"/>
           </a:p>
@@ -2364,7 +2364,7 @@
           <a:p>
             <a:fld id="{EBC4EE8A-CDA4-44F7-A61F-855868FB9019}" type="datetimeFigureOut">
               <a:rPr lang="en-US" smtClean="0"/>
-              <a:t>4/8/2020</a:t>
+              <a:t>6/23/2020</a:t>
             </a:fld>
             <a:endParaRPr lang="en-US"/>
           </a:p>
@@ -2406,7 +2406,7 @@
           <a:p>
             <a:fld id="{64CDC4B4-8912-42C0-867A-8AD177C6B236}" type="slidenum">
               <a:rPr lang="en-US" smtClean="0"/>
-              <a:t>‹N°›</a:t>
+              <a:t>‹#›</a:t>
             </a:fld>
             <a:endParaRPr lang="en-US"/>
           </a:p>
@@ -2577,7 +2577,7 @@
           <a:p>
             <a:fld id="{EBC4EE8A-CDA4-44F7-A61F-855868FB9019}" type="datetimeFigureOut">
               <a:rPr lang="en-US" smtClean="0"/>
-              <a:t>4/8/2020</a:t>
+              <a:t>6/23/2020</a:t>
             </a:fld>
             <a:endParaRPr lang="en-US"/>
           </a:p>
@@ -2655,7 +2655,7 @@
           <a:p>
             <a:fld id="{64CDC4B4-8912-42C0-867A-8AD177C6B236}" type="slidenum">
               <a:rPr lang="en-US" smtClean="0"/>
-              <a:t>‹N°›</a:t>
+              <a:t>‹#›</a:t>
             </a:fld>
             <a:endParaRPr lang="en-US"/>
           </a:p>
@@ -3702,15 +3702,7 @@
                   <a:srgbClr val="0070C0"/>
                 </a:solidFill>
               </a:rPr>
-              <a:t>Un cristal moléculaire : la glace </a:t>
-            </a:r>
-            <a:r>
-              <a:rPr lang="fr-FR" sz="4000" b="1" dirty="0" smtClean="0">
-                <a:solidFill>
-                  <a:srgbClr val="0070C0"/>
-                </a:solidFill>
-              </a:rPr>
-              <a:t>I</a:t>
+              <a:t>Un cristal moléculaire : la glace I</a:t>
             </a:r>
             <a:endParaRPr lang="en-US" sz="4000" b="1" dirty="0">
               <a:solidFill>
@@ -7543,7 +7535,7 @@
 </file>
 
 <file path=ppt/slides/slide7.xml><?xml version="1.0" encoding="utf-8"?>
-<p:sld xmlns:a="http://schemas.openxmlformats.org/drawingml/2006/main" xmlns:r="http://schemas.openxmlformats.org/officeDocument/2006/relationships" xmlns:p="http://schemas.openxmlformats.org/presentationml/2006/main">
+<p:sld xmlns:a="http://schemas.openxmlformats.org/drawingml/2006/main" xmlns:r="http://schemas.openxmlformats.org/officeDocument/2006/relationships" xmlns:p="http://schemas.openxmlformats.org/presentationml/2006/main" show="0">
   <p:cSld>
     <p:spTree>
       <p:nvGrpSpPr>
@@ -7635,11 +7627,19 @@
   <p:clrMapOvr>
     <a:masterClrMapping/>
   </p:clrMapOvr>
+  <mc:AlternateContent xmlns:mc="http://schemas.openxmlformats.org/markup-compatibility/2006">
+    <mc:Choice xmlns:p14="http://schemas.microsoft.com/office/powerpoint/2010/main" Requires="p14">
+      <p:transition spd="slow" p14:dur="2000"/>
+    </mc:Choice>
+    <mc:Fallback>
+      <p:transition spd="slow"/>
+    </mc:Fallback>
+  </mc:AlternateContent>
 </p:sld>
 </file>
 
 <file path=ppt/slides/slide8.xml><?xml version="1.0" encoding="utf-8"?>
-<p:sld xmlns:a="http://schemas.openxmlformats.org/drawingml/2006/main" xmlns:r="http://schemas.openxmlformats.org/officeDocument/2006/relationships" xmlns:p="http://schemas.openxmlformats.org/presentationml/2006/main">
+<p:sld xmlns:a="http://schemas.openxmlformats.org/drawingml/2006/main" xmlns:r="http://schemas.openxmlformats.org/officeDocument/2006/relationships" xmlns:p="http://schemas.openxmlformats.org/presentationml/2006/main" show="0">
   <p:cSld>
     <p:spTree>
       <p:nvGrpSpPr>
@@ -7731,6 +7731,14 @@
   <p:clrMapOvr>
     <a:masterClrMapping/>
   </p:clrMapOvr>
+  <mc:AlternateContent xmlns:mc="http://schemas.openxmlformats.org/markup-compatibility/2006">
+    <mc:Choice xmlns:p14="http://schemas.microsoft.com/office/powerpoint/2010/main" Requires="p14">
+      <p:transition spd="slow" p14:dur="2000"/>
+    </mc:Choice>
+    <mc:Fallback>
+      <p:transition spd="slow"/>
+    </mc:Fallback>
+  </mc:AlternateContent>
 </p:sld>
 </file>
 
